--- a/Manual POST to Server.pptx
+++ b/Manual POST to Server.pptx
@@ -5,9 +5,16 @@
     <p:sldMasterId id="2147483648" r:id="rId1"/>
   </p:sldMasterIdLst>
   <p:sldIdLst>
-    <p:sldId id="256" r:id="rId2"/>
-    <p:sldId id="257" r:id="rId3"/>
-    <p:sldId id="258" r:id="rId4"/>
+    <p:sldId id="259" r:id="rId2"/>
+    <p:sldId id="260" r:id="rId3"/>
+    <p:sldId id="256" r:id="rId4"/>
+    <p:sldId id="257" r:id="rId5"/>
+    <p:sldId id="258" r:id="rId6"/>
+    <p:sldId id="261" r:id="rId7"/>
+    <p:sldId id="263" r:id="rId8"/>
+    <p:sldId id="264" r:id="rId9"/>
+    <p:sldId id="265" r:id="rId10"/>
+    <p:sldId id="262" r:id="rId11"/>
   </p:sldIdLst>
   <p:sldSz cx="12192000" cy="6858000"/>
   <p:notesSz cx="6858000" cy="9144000"/>
@@ -2968,6 +2975,408 @@
       </p:grpSpPr>
       <p:sp>
         <p:nvSpPr>
+          <p:cNvPr id="2" name="Title 1"/>
+          <p:cNvSpPr>
+            <a:spLocks noGrp="1"/>
+          </p:cNvSpPr>
+          <p:nvPr>
+            <p:ph type="title"/>
+          </p:nvPr>
+        </p:nvSpPr>
+        <p:spPr/>
+        <p:txBody>
+          <a:bodyPr/>
+          <a:lstStyle/>
+          <a:p>
+            <a:r>
+              <a:rPr lang="en-US" dirty="0" smtClean="0"/>
+              <a:t>1. Update </a:t>
+            </a:r>
+            <a:r>
+              <a:rPr lang="en-US" dirty="0"/>
+              <a:t>P</a:t>
+            </a:r>
+            <a:r>
+              <a:rPr lang="en-US" dirty="0" smtClean="0"/>
+              <a:t>atient Example</a:t>
+            </a:r>
+            <a:endParaRPr lang="en-US" dirty="0"/>
+          </a:p>
+        </p:txBody>
+      </p:sp>
+      <p:sp>
+        <p:nvSpPr>
+          <p:cNvPr id="5" name="TextBox 4"/>
+          <p:cNvSpPr txBox="1"/>
+          <p:nvPr/>
+        </p:nvSpPr>
+        <p:spPr>
+          <a:xfrm>
+            <a:off x="1387366" y="1690688"/>
+            <a:ext cx="8860220" cy="4801314"/>
+          </a:xfrm>
+          <a:prstGeom prst="rect">
+            <a:avLst/>
+          </a:prstGeom>
+          <a:noFill/>
+        </p:spPr>
+        <p:txBody>
+          <a:bodyPr wrap="square" rtlCol="0">
+            <a:spAutoFit/>
+          </a:bodyPr>
+          <a:lstStyle/>
+          <a:p>
+            <a:r>
+              <a:rPr lang="en-US" dirty="0" smtClean="0"/>
+              <a:t>row	1000</a:t>
+            </a:r>
+          </a:p>
+          <a:p>
+            <a:r>
+              <a:rPr lang="en-US" dirty="0" err="1" smtClean="0"/>
+              <a:t>mrn</a:t>
+            </a:r>
+            <a:r>
+              <a:rPr lang="en-US" dirty="0" smtClean="0"/>
+              <a:t>	103270</a:t>
+            </a:r>
+          </a:p>
+          <a:p>
+            <a:r>
+              <a:rPr lang="en-US" dirty="0" smtClean="0"/>
+              <a:t>2f_name	Amy</a:t>
+            </a:r>
+          </a:p>
+          <a:p>
+            <a:r>
+              <a:rPr lang="en-US" dirty="0" err="1" smtClean="0"/>
+              <a:t>l_name</a:t>
+            </a:r>
+            <a:r>
+              <a:rPr lang="en-US" dirty="0" smtClean="0"/>
+              <a:t>	Shaw</a:t>
+            </a:r>
+          </a:p>
+          <a:p>
+            <a:r>
+              <a:rPr lang="en-US" dirty="0" smtClean="0"/>
+              <a:t>mi	</a:t>
+            </a:r>
+            <a:r>
+              <a:rPr lang="en-US" dirty="0" err="1" smtClean="0"/>
+              <a:t>Vb</a:t>
+            </a:r>
+            <a:endParaRPr lang="en-US" dirty="0" smtClean="0"/>
+          </a:p>
+          <a:p>
+            <a:r>
+              <a:rPr lang="en-US" dirty="0" smtClean="0"/>
+              <a:t>_sex	F</a:t>
+            </a:r>
+          </a:p>
+          <a:p>
+            <a:r>
+              <a:rPr lang="en-US" dirty="0" smtClean="0"/>
+              <a:t>gender	</a:t>
+            </a:r>
+            <a:r>
+              <a:rPr lang="en-US" dirty="0" err="1" smtClean="0"/>
+              <a:t>femal</a:t>
+            </a:r>
+            <a:endParaRPr lang="en-US" dirty="0" smtClean="0"/>
+          </a:p>
+          <a:p>
+            <a:r>
+              <a:rPr lang="en-US" dirty="0" err="1" smtClean="0"/>
+              <a:t>eb_date</a:t>
+            </a:r>
+            <a:r>
+              <a:rPr lang="en-US" dirty="0" smtClean="0"/>
+              <a:t>	39133</a:t>
+            </a:r>
+          </a:p>
+          <a:p>
+            <a:r>
+              <a:rPr lang="en-US" dirty="0" err="1" smtClean="0"/>
+              <a:t>lang</a:t>
+            </a:r>
+            <a:r>
+              <a:rPr lang="en-US" dirty="0" smtClean="0"/>
+              <a:t>	</a:t>
+            </a:r>
+            <a:r>
+              <a:rPr lang="en-US" dirty="0" err="1" smtClean="0"/>
+              <a:t>en|English</a:t>
+            </a:r>
+            <a:endParaRPr lang="en-US" dirty="0" smtClean="0"/>
+          </a:p>
+          <a:p>
+            <a:r>
+              <a:rPr lang="en-US" dirty="0" smtClean="0"/>
+              <a:t>race_cat_1	2106-3|White</a:t>
+            </a:r>
+          </a:p>
+          <a:p>
+            <a:r>
+              <a:rPr lang="en-US" dirty="0" smtClean="0"/>
+              <a:t>race_cat_2	1002-5|American Indian or Alaska Native</a:t>
+            </a:r>
+          </a:p>
+          <a:p>
+            <a:r>
+              <a:rPr lang="en-US" dirty="0" smtClean="0"/>
+              <a:t>race_cat_3	2028-9|Asian</a:t>
+            </a:r>
+          </a:p>
+          <a:p>
+            <a:r>
+              <a:rPr lang="en-US" dirty="0" smtClean="0"/>
+              <a:t>race_det_1	1586-7|Shoshone</a:t>
+            </a:r>
+          </a:p>
+          <a:p>
+            <a:r>
+              <a:rPr lang="en-US" dirty="0" smtClean="0"/>
+              <a:t>race_det_2	2036-2|Filipino</a:t>
+            </a:r>
+          </a:p>
+          <a:p>
+            <a:r>
+              <a:rPr lang="en-US" dirty="0" err="1" smtClean="0"/>
+              <a:t>ethn_cat</a:t>
+            </a:r>
+            <a:r>
+              <a:rPr lang="en-US" dirty="0" smtClean="0"/>
+              <a:t>	</a:t>
+            </a:r>
+            <a:r>
+              <a:rPr lang="en-US" dirty="0" err="1" smtClean="0"/>
+              <a:t>hispanic</a:t>
+            </a:r>
+            <a:r>
+              <a:rPr lang="en-US" dirty="0" smtClean="0"/>
+              <a:t> or </a:t>
+            </a:r>
+            <a:r>
+              <a:rPr lang="en-US" dirty="0" err="1" smtClean="0"/>
+              <a:t>latino</a:t>
+            </a:r>
+            <a:endParaRPr lang="en-US" dirty="0" smtClean="0"/>
+          </a:p>
+          <a:p>
+            <a:r>
+              <a:rPr lang="en-US" dirty="0" smtClean="0"/>
+              <a:t>ethn_det_1	2184-0|Dominican</a:t>
+            </a:r>
+          </a:p>
+          <a:p>
+            <a:r>
+              <a:rPr lang="en-US" dirty="0" smtClean="0"/>
+              <a:t>ethn_det_2	2148-5|Mexican</a:t>
+            </a:r>
+            <a:endParaRPr lang="en-US" dirty="0"/>
+          </a:p>
+        </p:txBody>
+      </p:sp>
+    </p:spTree>
+    <p:extLst>
+      <p:ext uri="{BB962C8B-B14F-4D97-AF65-F5344CB8AC3E}">
+        <p14:creationId xmlns:p14="http://schemas.microsoft.com/office/powerpoint/2010/main" val="807942942"/>
+      </p:ext>
+    </p:extLst>
+  </p:cSld>
+  <p:clrMapOvr>
+    <a:masterClrMapping/>
+  </p:clrMapOvr>
+</p:sld>
+</file>
+
+<file path=ppt/slides/slide10.xml><?xml version="1.0" encoding="utf-8"?>
+<p:sld xmlns:a="http://schemas.openxmlformats.org/drawingml/2006/main" xmlns:r="http://schemas.openxmlformats.org/officeDocument/2006/relationships" xmlns:p="http://schemas.openxmlformats.org/presentationml/2006/main">
+  <p:cSld>
+    <p:spTree>
+      <p:nvGrpSpPr>
+        <p:cNvPr id="1" name=""/>
+        <p:cNvGrpSpPr/>
+        <p:nvPr/>
+      </p:nvGrpSpPr>
+      <p:grpSpPr>
+        <a:xfrm>
+          <a:off x="0" y="0"/>
+          <a:ext cx="0" cy="0"/>
+          <a:chOff x="0" y="0"/>
+          <a:chExt cx="0" cy="0"/>
+        </a:xfrm>
+      </p:grpSpPr>
+      <p:sp>
+        <p:nvSpPr>
+          <p:cNvPr id="2" name="Title 1"/>
+          <p:cNvSpPr>
+            <a:spLocks noGrp="1"/>
+          </p:cNvSpPr>
+          <p:nvPr>
+            <p:ph type="title"/>
+          </p:nvPr>
+        </p:nvSpPr>
+        <p:spPr/>
+        <p:txBody>
+          <a:bodyPr/>
+          <a:lstStyle/>
+          <a:p>
+            <a:endParaRPr lang="en-US"/>
+          </a:p>
+        </p:txBody>
+      </p:sp>
+    </p:spTree>
+    <p:extLst>
+      <p:ext uri="{BB962C8B-B14F-4D97-AF65-F5344CB8AC3E}">
+        <p14:creationId xmlns:p14="http://schemas.microsoft.com/office/powerpoint/2010/main" val="1966304119"/>
+      </p:ext>
+    </p:extLst>
+  </p:cSld>
+  <p:clrMapOvr>
+    <a:masterClrMapping/>
+  </p:clrMapOvr>
+</p:sld>
+</file>
+
+<file path=ppt/slides/slide2.xml><?xml version="1.0" encoding="utf-8"?>
+<p:sld xmlns:a="http://schemas.openxmlformats.org/drawingml/2006/main" xmlns:r="http://schemas.openxmlformats.org/officeDocument/2006/relationships" xmlns:p="http://schemas.openxmlformats.org/presentationml/2006/main">
+  <p:cSld>
+    <p:spTree>
+      <p:nvGrpSpPr>
+        <p:cNvPr id="1" name=""/>
+        <p:cNvGrpSpPr/>
+        <p:nvPr/>
+      </p:nvGrpSpPr>
+      <p:grpSpPr>
+        <a:xfrm>
+          <a:off x="0" y="0"/>
+          <a:ext cx="0" cy="0"/>
+          <a:chOff x="0" y="0"/>
+          <a:chExt cx="0" cy="0"/>
+        </a:xfrm>
+      </p:grpSpPr>
+      <p:sp>
+        <p:nvSpPr>
+          <p:cNvPr id="2" name="Title 1"/>
+          <p:cNvSpPr>
+            <a:spLocks noGrp="1"/>
+          </p:cNvSpPr>
+          <p:nvPr>
+            <p:ph type="title"/>
+          </p:nvPr>
+        </p:nvSpPr>
+        <p:spPr/>
+        <p:txBody>
+          <a:bodyPr/>
+          <a:lstStyle/>
+          <a:p>
+            <a:r>
+              <a:rPr lang="en-US" dirty="0" smtClean="0"/>
+              <a:t>2. Update Xml ”Template”</a:t>
+            </a:r>
+            <a:endParaRPr lang="en-US" dirty="0"/>
+          </a:p>
+        </p:txBody>
+      </p:sp>
+      <p:sp>
+        <p:nvSpPr>
+          <p:cNvPr id="3" name="TextBox 2"/>
+          <p:cNvSpPr txBox="1"/>
+          <p:nvPr/>
+        </p:nvSpPr>
+        <p:spPr>
+          <a:xfrm>
+            <a:off x="630620" y="1690688"/>
+            <a:ext cx="12817365" cy="1200329"/>
+          </a:xfrm>
+          <a:prstGeom prst="rect">
+            <a:avLst/>
+          </a:prstGeom>
+          <a:noFill/>
+        </p:spPr>
+        <p:txBody>
+          <a:bodyPr wrap="square" rtlCol="0">
+            <a:spAutoFit/>
+          </a:bodyPr>
+          <a:lstStyle/>
+          <a:p>
+            <a:r>
+              <a:rPr lang="en-US" dirty="0" smtClean="0">
+                <a:hlinkClick r:id="rId2" invalidUrl="https://github.com/Healthedata1/Manual_Examples/blob/master/Manual Argo patient templae.xml"/>
+              </a:rPr>
+              <a:t>https://github.com/Healthedata1/Manual_Examples/blob/master/Manual%20Argo%20patient%20templae.xml</a:t>
+            </a:r>
+            <a:endParaRPr lang="en-US" dirty="0" smtClean="0"/>
+          </a:p>
+          <a:p>
+            <a:endParaRPr lang="en-US" dirty="0"/>
+          </a:p>
+          <a:p>
+            <a:endParaRPr lang="en-US" dirty="0" smtClean="0"/>
+          </a:p>
+          <a:p>
+            <a:endParaRPr lang="en-US" dirty="0"/>
+          </a:p>
+        </p:txBody>
+      </p:sp>
+      <p:pic>
+        <p:nvPicPr>
+          <p:cNvPr id="4" name="Picture 3"/>
+          <p:cNvPicPr>
+            <a:picLocks noChangeAspect="1"/>
+          </p:cNvPicPr>
+          <p:nvPr/>
+        </p:nvPicPr>
+        <p:blipFill>
+          <a:blip r:embed="rId3"/>
+          <a:stretch>
+            <a:fillRect/>
+          </a:stretch>
+        </p:blipFill>
+        <p:spPr>
+          <a:xfrm>
+            <a:off x="630620" y="2891017"/>
+            <a:ext cx="9118600" cy="3543300"/>
+          </a:xfrm>
+          <a:prstGeom prst="rect">
+            <a:avLst/>
+          </a:prstGeom>
+        </p:spPr>
+      </p:pic>
+    </p:spTree>
+    <p:extLst>
+      <p:ext uri="{BB962C8B-B14F-4D97-AF65-F5344CB8AC3E}">
+        <p14:creationId xmlns:p14="http://schemas.microsoft.com/office/powerpoint/2010/main" val="795871069"/>
+      </p:ext>
+    </p:extLst>
+  </p:cSld>
+  <p:clrMapOvr>
+    <a:masterClrMapping/>
+  </p:clrMapOvr>
+</p:sld>
+</file>
+
+<file path=ppt/slides/slide3.xml><?xml version="1.0" encoding="utf-8"?>
+<p:sld xmlns:a="http://schemas.openxmlformats.org/drawingml/2006/main" xmlns:r="http://schemas.openxmlformats.org/officeDocument/2006/relationships" xmlns:p="http://schemas.openxmlformats.org/presentationml/2006/main">
+  <p:cSld>
+    <p:spTree>
+      <p:nvGrpSpPr>
+        <p:cNvPr id="1" name=""/>
+        <p:cNvGrpSpPr/>
+        <p:nvPr/>
+      </p:nvGrpSpPr>
+      <p:grpSpPr>
+        <a:xfrm>
+          <a:off x="0" y="0"/>
+          <a:ext cx="0" cy="0"/>
+          <a:chOff x="0" y="0"/>
+          <a:chExt cx="0" cy="0"/>
+        </a:xfrm>
+      </p:grpSpPr>
+      <p:sp>
+        <p:nvSpPr>
           <p:cNvPr id="4" name="Title 3"/>
           <p:cNvSpPr>
             <a:spLocks noGrp="1"/>
@@ -2982,8 +3391,12 @@
           <a:lstStyle/>
           <a:p>
             <a:r>
+              <a:rPr lang="en-US" dirty="0"/>
+              <a:t>3</a:t>
+            </a:r>
+            <a:r>
               <a:rPr lang="en-US" dirty="0" smtClean="0"/>
-              <a:t>1. Select Endpoint and add Headers</a:t>
+              <a:t>. Select Endpoint and add Headers</a:t>
             </a:r>
             <a:endParaRPr lang="en-US" dirty="0"/>
           </a:p>
@@ -3110,7 +3523,7 @@
 </p:sld>
 </file>
 
-<file path=ppt/slides/slide2.xml><?xml version="1.0" encoding="utf-8"?>
+<file path=ppt/slides/slide4.xml><?xml version="1.0" encoding="utf-8"?>
 <p:sld xmlns:a="http://schemas.openxmlformats.org/drawingml/2006/main" xmlns:r="http://schemas.openxmlformats.org/officeDocument/2006/relationships" xmlns:p="http://schemas.openxmlformats.org/presentationml/2006/main">
   <p:cSld>
     <p:spTree>
@@ -3144,7 +3557,7 @@
           <a:p>
             <a:r>
               <a:rPr lang="en-US" dirty="0" smtClean="0"/>
-              <a:t>2. Copy and Paste body into Postman and Click Send</a:t>
+              <a:t>4. Copy and Paste body into Postman and Click Send</a:t>
             </a:r>
             <a:endParaRPr lang="en-US" dirty="0"/>
           </a:p>
@@ -3271,7 +3684,7 @@
 </p:sld>
 </file>
 
-<file path=ppt/slides/slide3.xml><?xml version="1.0" encoding="utf-8"?>
+<file path=ppt/slides/slide5.xml><?xml version="1.0" encoding="utf-8"?>
 <p:sld xmlns:a="http://schemas.openxmlformats.org/drawingml/2006/main" xmlns:r="http://schemas.openxmlformats.org/officeDocument/2006/relationships" xmlns:p="http://schemas.openxmlformats.org/presentationml/2006/main">
   <p:cSld>
     <p:spTree>
@@ -3304,8 +3717,12 @@
           <a:lstStyle/>
           <a:p>
             <a:r>
+              <a:rPr lang="en-US" dirty="0"/>
+              <a:t>5</a:t>
+            </a:r>
+            <a:r>
               <a:rPr lang="en-US" dirty="0" smtClean="0"/>
-              <a:t>3. Look for status in Response</a:t>
+              <a:t>. Look for status in Response</a:t>
             </a:r>
             <a:endParaRPr lang="en-US" dirty="0"/>
           </a:p>
@@ -3377,10 +3794,694 @@
           </a:p>
         </p:txBody>
       </p:sp>
+      <p:sp>
+        <p:nvSpPr>
+          <p:cNvPr id="5" name="Oval 4"/>
+          <p:cNvSpPr/>
+          <p:nvPr/>
+        </p:nvSpPr>
+        <p:spPr>
+          <a:xfrm>
+            <a:off x="2747454" y="2660673"/>
+            <a:ext cx="1494972" cy="456164"/>
+          </a:xfrm>
+          <a:prstGeom prst="ellipse">
+            <a:avLst/>
+          </a:prstGeom>
+          <a:noFill/>
+          <a:ln w="50800"/>
+        </p:spPr>
+        <p:style>
+          <a:lnRef idx="2">
+            <a:schemeClr val="accent1">
+              <a:shade val="50000"/>
+            </a:schemeClr>
+          </a:lnRef>
+          <a:fillRef idx="1">
+            <a:schemeClr val="accent1"/>
+          </a:fillRef>
+          <a:effectRef idx="0">
+            <a:schemeClr val="accent1"/>
+          </a:effectRef>
+          <a:fontRef idx="minor">
+            <a:schemeClr val="lt1"/>
+          </a:fontRef>
+        </p:style>
+        <p:txBody>
+          <a:bodyPr rtlCol="0" anchor="ctr"/>
+          <a:lstStyle/>
+          <a:p>
+            <a:pPr algn="ctr"/>
+            <a:endParaRPr lang="en-US"/>
+          </a:p>
+        </p:txBody>
+      </p:sp>
     </p:spTree>
     <p:extLst>
       <p:ext uri="{BB962C8B-B14F-4D97-AF65-F5344CB8AC3E}">
         <p14:creationId xmlns:p14="http://schemas.microsoft.com/office/powerpoint/2010/main" val="2036747792"/>
+      </p:ext>
+    </p:extLst>
+  </p:cSld>
+  <p:clrMapOvr>
+    <a:masterClrMapping/>
+  </p:clrMapOvr>
+</p:sld>
+</file>
+
+<file path=ppt/slides/slide6.xml><?xml version="1.0" encoding="utf-8"?>
+<p:sld xmlns:a="http://schemas.openxmlformats.org/drawingml/2006/main" xmlns:r="http://schemas.openxmlformats.org/officeDocument/2006/relationships" xmlns:p="http://schemas.openxmlformats.org/presentationml/2006/main">
+  <p:cSld>
+    <p:spTree>
+      <p:nvGrpSpPr>
+        <p:cNvPr id="1" name=""/>
+        <p:cNvGrpSpPr/>
+        <p:nvPr/>
+      </p:nvGrpSpPr>
+      <p:grpSpPr>
+        <a:xfrm>
+          <a:off x="0" y="0"/>
+          <a:ext cx="0" cy="0"/>
+          <a:chOff x="0" y="0"/>
+          <a:chExt cx="0" cy="0"/>
+        </a:xfrm>
+      </p:grpSpPr>
+      <p:sp>
+        <p:nvSpPr>
+          <p:cNvPr id="2" name="Title 1"/>
+          <p:cNvSpPr>
+            <a:spLocks noGrp="1"/>
+          </p:cNvSpPr>
+          <p:nvPr>
+            <p:ph type="title"/>
+          </p:nvPr>
+        </p:nvSpPr>
+        <p:spPr/>
+        <p:txBody>
+          <a:bodyPr/>
+          <a:lstStyle/>
+          <a:p>
+            <a:r>
+              <a:rPr lang="en-US" dirty="0" smtClean="0"/>
+              <a:t>Provider Directory examples</a:t>
+            </a:r>
+            <a:br>
+              <a:rPr lang="en-US" dirty="0" smtClean="0"/>
+            </a:br>
+            <a:endParaRPr lang="en-US" dirty="0"/>
+          </a:p>
+        </p:txBody>
+      </p:sp>
+      <p:sp>
+        <p:nvSpPr>
+          <p:cNvPr id="3" name="TextBox 2"/>
+          <p:cNvSpPr txBox="1"/>
+          <p:nvPr/>
+        </p:nvSpPr>
+        <p:spPr>
+          <a:xfrm>
+            <a:off x="570188" y="1481959"/>
+            <a:ext cx="7543091" cy="1569660"/>
+          </a:xfrm>
+          <a:prstGeom prst="rect">
+            <a:avLst/>
+          </a:prstGeom>
+          <a:noFill/>
+        </p:spPr>
+        <p:txBody>
+          <a:bodyPr wrap="none" rtlCol="0">
+            <a:spAutoFit/>
+          </a:bodyPr>
+          <a:lstStyle/>
+          <a:p>
+            <a:r>
+              <a:rPr lang="en-US" sz="2400" dirty="0" smtClean="0">
+                <a:hlinkClick r:id="rId2"/>
+              </a:rPr>
+              <a:t>Link:</a:t>
+            </a:r>
+          </a:p>
+          <a:p>
+            <a:endParaRPr lang="en-US" dirty="0">
+              <a:hlinkClick r:id="rId2"/>
+            </a:endParaRPr>
+          </a:p>
+          <a:p>
+            <a:r>
+              <a:rPr lang="en-US" dirty="0" smtClean="0">
+                <a:hlinkClick r:id="rId2"/>
+              </a:rPr>
+              <a:t>https://github.com/Healthedata1/Manual_Examples/blob/master/argo-pd.csv</a:t>
+            </a:r>
+            <a:endParaRPr lang="en-US" dirty="0" smtClean="0"/>
+          </a:p>
+          <a:p>
+            <a:endParaRPr lang="en-US" dirty="0" smtClean="0"/>
+          </a:p>
+          <a:p>
+            <a:r>
+              <a:rPr lang="en-US" dirty="0" smtClean="0"/>
+              <a:t>Base URL:  </a:t>
+            </a:r>
+            <a:r>
+              <a:rPr lang="en-US" dirty="0"/>
+              <a:t>http://sqlonfhir-stu3.azurewebsites.net/</a:t>
+            </a:r>
+            <a:r>
+              <a:rPr lang="en-US" dirty="0" err="1"/>
+              <a:t>fhir</a:t>
+            </a:r>
+            <a:endParaRPr lang="en-US" dirty="0"/>
+          </a:p>
+        </p:txBody>
+      </p:sp>
+    </p:spTree>
+    <p:extLst>
+      <p:ext uri="{BB962C8B-B14F-4D97-AF65-F5344CB8AC3E}">
+        <p14:creationId xmlns:p14="http://schemas.microsoft.com/office/powerpoint/2010/main" val="192980163"/>
+      </p:ext>
+    </p:extLst>
+  </p:cSld>
+  <p:clrMapOvr>
+    <a:masterClrMapping/>
+  </p:clrMapOvr>
+</p:sld>
+</file>
+
+<file path=ppt/slides/slide7.xml><?xml version="1.0" encoding="utf-8"?>
+<p:sld xmlns:a="http://schemas.openxmlformats.org/drawingml/2006/main" xmlns:r="http://schemas.openxmlformats.org/officeDocument/2006/relationships" xmlns:p="http://schemas.openxmlformats.org/presentationml/2006/main">
+  <p:cSld>
+    <p:spTree>
+      <p:nvGrpSpPr>
+        <p:cNvPr id="1" name=""/>
+        <p:cNvGrpSpPr/>
+        <p:nvPr/>
+      </p:nvGrpSpPr>
+      <p:grpSpPr>
+        <a:xfrm>
+          <a:off x="0" y="0"/>
+          <a:ext cx="0" cy="0"/>
+          <a:chOff x="0" y="0"/>
+          <a:chExt cx="0" cy="0"/>
+        </a:xfrm>
+      </p:grpSpPr>
+      <p:sp>
+        <p:nvSpPr>
+          <p:cNvPr id="2" name="Title 1"/>
+          <p:cNvSpPr>
+            <a:spLocks noGrp="1"/>
+          </p:cNvSpPr>
+          <p:nvPr>
+            <p:ph type="title"/>
+          </p:nvPr>
+        </p:nvSpPr>
+        <p:spPr/>
+        <p:txBody>
+          <a:bodyPr/>
+          <a:lstStyle/>
+          <a:p>
+            <a:r>
+              <a:rPr lang="en-US" dirty="0" smtClean="0"/>
+              <a:t>Provider Directory examples</a:t>
+            </a:r>
+            <a:br>
+              <a:rPr lang="en-US" dirty="0" smtClean="0"/>
+            </a:br>
+            <a:endParaRPr lang="en-US" dirty="0"/>
+          </a:p>
+        </p:txBody>
+      </p:sp>
+      <p:sp>
+        <p:nvSpPr>
+          <p:cNvPr id="3" name="TextBox 2"/>
+          <p:cNvSpPr txBox="1"/>
+          <p:nvPr/>
+        </p:nvSpPr>
+        <p:spPr>
+          <a:xfrm>
+            <a:off x="522890" y="1481959"/>
+            <a:ext cx="10481441" cy="3508653"/>
+          </a:xfrm>
+          <a:prstGeom prst="rect">
+            <a:avLst/>
+          </a:prstGeom>
+          <a:noFill/>
+        </p:spPr>
+        <p:txBody>
+          <a:bodyPr wrap="square" rtlCol="0">
+            <a:spAutoFit/>
+          </a:bodyPr>
+          <a:lstStyle/>
+          <a:p>
+            <a:r>
+              <a:rPr lang="en-US" sz="2800" dirty="0"/>
+              <a:t>Search for Practitioner by demographics</a:t>
+            </a:r>
+          </a:p>
+          <a:p>
+            <a:pPr lvl="1"/>
+            <a:endParaRPr lang="en-US" sz="2800" dirty="0" smtClean="0"/>
+          </a:p>
+          <a:p>
+            <a:pPr lvl="1"/>
+            <a:r>
+              <a:rPr lang="en-US" sz="2800" dirty="0" smtClean="0"/>
+              <a:t>Name:  </a:t>
+            </a:r>
+            <a:r>
+              <a:rPr lang="en-US" dirty="0" smtClean="0">
+                <a:latin typeface="Courier" charset="0"/>
+                <a:ea typeface="Courier" charset="0"/>
+                <a:cs typeface="Courier" charset="0"/>
+              </a:rPr>
+              <a:t>GET [Base]/</a:t>
+            </a:r>
+            <a:r>
+              <a:rPr lang="en-US" dirty="0" err="1" smtClean="0">
+                <a:latin typeface="Courier" charset="0"/>
+                <a:ea typeface="Courier" charset="0"/>
+                <a:cs typeface="Courier" charset="0"/>
+              </a:rPr>
+              <a:t>Practitioner?name</a:t>
+            </a:r>
+            <a:r>
+              <a:rPr lang="en-US" dirty="0" smtClean="0">
+                <a:latin typeface="Courier" charset="0"/>
+                <a:ea typeface="Courier" charset="0"/>
+                <a:cs typeface="Courier" charset="0"/>
+              </a:rPr>
+              <a:t>=[name]</a:t>
+            </a:r>
+            <a:endParaRPr lang="en-US" dirty="0">
+              <a:latin typeface="Courier" charset="0"/>
+              <a:ea typeface="Courier" charset="0"/>
+              <a:cs typeface="Courier" charset="0"/>
+            </a:endParaRPr>
+          </a:p>
+          <a:p>
+            <a:pPr lvl="1"/>
+            <a:endParaRPr lang="en-US" sz="2800" dirty="0" smtClean="0"/>
+          </a:p>
+          <a:p>
+            <a:pPr lvl="1"/>
+            <a:r>
+              <a:rPr lang="en-US" sz="2800" dirty="0" smtClean="0"/>
+              <a:t>Specialty:</a:t>
+            </a:r>
+          </a:p>
+          <a:p>
+            <a:pPr lvl="1"/>
+            <a:r>
+              <a:rPr lang="en-US" sz="2800" dirty="0" smtClean="0"/>
+              <a:t> </a:t>
+            </a:r>
+            <a:r>
+              <a:rPr lang="en-US" dirty="0" smtClean="0">
+                <a:latin typeface="Courier" charset="0"/>
+                <a:ea typeface="Courier" charset="0"/>
+                <a:cs typeface="Courier" charset="0"/>
+              </a:rPr>
+              <a:t>Get [Base]/</a:t>
+            </a:r>
+            <a:r>
+              <a:rPr lang="en-US" dirty="0" err="1" smtClean="0">
+                <a:latin typeface="Courier" charset="0"/>
+                <a:ea typeface="Courier" charset="0"/>
+                <a:cs typeface="Courier" charset="0"/>
+              </a:rPr>
+              <a:t>PractitionerRole?specialty</a:t>
+            </a:r>
+            <a:r>
+              <a:rPr lang="en-US" dirty="0" smtClean="0">
+                <a:latin typeface="Courier" charset="0"/>
+                <a:ea typeface="Courier" charset="0"/>
+                <a:cs typeface="Courier" charset="0"/>
+              </a:rPr>
+              <a:t>=[code]&amp;_include=</a:t>
+            </a:r>
+            <a:r>
+              <a:rPr lang="en-US" dirty="0" err="1" smtClean="0">
+                <a:latin typeface="Courier" charset="0"/>
+                <a:ea typeface="Courier" charset="0"/>
+                <a:cs typeface="Courier" charset="0"/>
+              </a:rPr>
+              <a:t>PractitionerRole.practitioner</a:t>
+            </a:r>
+            <a:endParaRPr lang="en-US" dirty="0">
+              <a:latin typeface="Courier" charset="0"/>
+              <a:ea typeface="Courier" charset="0"/>
+              <a:cs typeface="Courier" charset="0"/>
+            </a:endParaRPr>
+          </a:p>
+          <a:p>
+            <a:endParaRPr lang="en-US" dirty="0"/>
+          </a:p>
+        </p:txBody>
+      </p:sp>
+    </p:spTree>
+    <p:extLst>
+      <p:ext uri="{BB962C8B-B14F-4D97-AF65-F5344CB8AC3E}">
+        <p14:creationId xmlns:p14="http://schemas.microsoft.com/office/powerpoint/2010/main" val="795462208"/>
+      </p:ext>
+    </p:extLst>
+  </p:cSld>
+  <p:clrMapOvr>
+    <a:masterClrMapping/>
+  </p:clrMapOvr>
+</p:sld>
+</file>
+
+<file path=ppt/slides/slide8.xml><?xml version="1.0" encoding="utf-8"?>
+<p:sld xmlns:a="http://schemas.openxmlformats.org/drawingml/2006/main" xmlns:r="http://schemas.openxmlformats.org/officeDocument/2006/relationships" xmlns:p="http://schemas.openxmlformats.org/presentationml/2006/main">
+  <p:cSld>
+    <p:spTree>
+      <p:nvGrpSpPr>
+        <p:cNvPr id="1" name=""/>
+        <p:cNvGrpSpPr/>
+        <p:nvPr/>
+      </p:nvGrpSpPr>
+      <p:grpSpPr>
+        <a:xfrm>
+          <a:off x="0" y="0"/>
+          <a:ext cx="0" cy="0"/>
+          <a:chOff x="0" y="0"/>
+          <a:chExt cx="0" cy="0"/>
+        </a:xfrm>
+      </p:grpSpPr>
+      <p:sp>
+        <p:nvSpPr>
+          <p:cNvPr id="2" name="Title 1"/>
+          <p:cNvSpPr>
+            <a:spLocks noGrp="1"/>
+          </p:cNvSpPr>
+          <p:nvPr>
+            <p:ph type="title"/>
+          </p:nvPr>
+        </p:nvSpPr>
+        <p:spPr/>
+        <p:txBody>
+          <a:bodyPr/>
+          <a:lstStyle/>
+          <a:p>
+            <a:r>
+              <a:rPr lang="en-US" dirty="0" smtClean="0"/>
+              <a:t>Provider Directory examples</a:t>
+            </a:r>
+            <a:br>
+              <a:rPr lang="en-US" dirty="0" smtClean="0"/>
+            </a:br>
+            <a:endParaRPr lang="en-US" dirty="0"/>
+          </a:p>
+        </p:txBody>
+      </p:sp>
+      <p:sp>
+        <p:nvSpPr>
+          <p:cNvPr id="3" name="TextBox 2"/>
+          <p:cNvSpPr txBox="1"/>
+          <p:nvPr/>
+        </p:nvSpPr>
+        <p:spPr>
+          <a:xfrm>
+            <a:off x="522890" y="1481959"/>
+            <a:ext cx="10481441" cy="3539430"/>
+          </a:xfrm>
+          <a:prstGeom prst="rect">
+            <a:avLst/>
+          </a:prstGeom>
+          <a:noFill/>
+        </p:spPr>
+        <p:txBody>
+          <a:bodyPr wrap="square" rtlCol="0">
+            <a:spAutoFit/>
+          </a:bodyPr>
+          <a:lstStyle/>
+          <a:p>
+            <a:r>
+              <a:rPr lang="en-US" sz="2800" dirty="0" smtClean="0"/>
+              <a:t>Search for Practitioner within a region (city, state)</a:t>
+            </a:r>
+          </a:p>
+          <a:p>
+            <a:pPr lvl="1"/>
+            <a:endParaRPr lang="en-US" sz="2800" dirty="0" smtClean="0"/>
+          </a:p>
+          <a:p>
+            <a:pPr lvl="1"/>
+            <a:r>
+              <a:rPr lang="en-US" sz="2800" dirty="0" smtClean="0"/>
+              <a:t>Practitioner or specialty within a specified distance</a:t>
+            </a:r>
+          </a:p>
+          <a:p>
+            <a:pPr lvl="1"/>
+            <a:r>
+              <a:rPr lang="en-US" sz="2800" dirty="0" smtClean="0"/>
+              <a:t>	 - 10 miles from patient home </a:t>
+            </a:r>
+            <a:r>
+              <a:rPr lang="en-US" sz="2800" dirty="0" smtClean="0">
+                <a:sym typeface="Wingdings"/>
+              </a:rPr>
+              <a:t> use </a:t>
+            </a:r>
+            <a:r>
+              <a:rPr lang="en-US" dirty="0" smtClean="0">
+                <a:latin typeface="Courier" charset="0"/>
+                <a:ea typeface="Courier" charset="0"/>
+                <a:cs typeface="Courier" charset="0"/>
+                <a:sym typeface="Wingdings"/>
+              </a:rPr>
+              <a:t>near </a:t>
+            </a:r>
+            <a:r>
+              <a:rPr lang="en-US" sz="2800" dirty="0" smtClean="0">
+                <a:sym typeface="Wingdings"/>
+              </a:rPr>
+              <a:t>parameter</a:t>
+            </a:r>
+          </a:p>
+          <a:p>
+            <a:pPr lvl="1"/>
+            <a:endParaRPr lang="en-US" sz="2800" dirty="0" smtClean="0"/>
+          </a:p>
+          <a:p>
+            <a:pPr lvl="1"/>
+            <a:r>
+              <a:rPr lang="en-US" sz="2800" dirty="0" smtClean="0"/>
+              <a:t>Show me every one of this specialty in the city</a:t>
+            </a:r>
+          </a:p>
+          <a:p>
+            <a:pPr lvl="1"/>
+            <a:r>
+              <a:rPr lang="en-US" sz="2800" dirty="0" smtClean="0"/>
+              <a:t>	- </a:t>
+            </a:r>
+            <a:r>
+              <a:rPr lang="en-US" sz="2800" dirty="0" smtClean="0"/>
+              <a:t>Specialty </a:t>
+            </a:r>
+            <a:r>
+              <a:rPr lang="en-US" dirty="0" smtClean="0">
+                <a:latin typeface="Courier" charset="0"/>
+                <a:ea typeface="Courier" charset="0"/>
+                <a:cs typeface="Courier" charset="0"/>
+              </a:rPr>
+              <a:t>Get [Base]/</a:t>
+            </a:r>
+            <a:r>
+              <a:rPr lang="en-US" dirty="0" err="1" smtClean="0">
+                <a:latin typeface="Courier" charset="0"/>
+                <a:ea typeface="Courier" charset="0"/>
+                <a:cs typeface="Courier" charset="0"/>
+              </a:rPr>
+              <a:t>PractitionerRole?address-city</a:t>
+            </a:r>
+            <a:r>
+              <a:rPr lang="en-US" dirty="0" smtClean="0">
+                <a:latin typeface="Courier" charset="0"/>
+                <a:ea typeface="Courier" charset="0"/>
+                <a:cs typeface="Courier" charset="0"/>
+              </a:rPr>
+              <a:t>=[code]</a:t>
+            </a:r>
+            <a:endParaRPr lang="en-US" dirty="0" smtClean="0">
+              <a:latin typeface="Courier" charset="0"/>
+              <a:ea typeface="Courier" charset="0"/>
+              <a:cs typeface="Courier" charset="0"/>
+            </a:endParaRPr>
+          </a:p>
+          <a:p>
+            <a:endParaRPr lang="en-US" sz="2800" dirty="0" smtClean="0"/>
+          </a:p>
+        </p:txBody>
+      </p:sp>
+    </p:spTree>
+    <p:extLst>
+      <p:ext uri="{BB962C8B-B14F-4D97-AF65-F5344CB8AC3E}">
+        <p14:creationId xmlns:p14="http://schemas.microsoft.com/office/powerpoint/2010/main" val="154746882"/>
+      </p:ext>
+    </p:extLst>
+  </p:cSld>
+  <p:clrMapOvr>
+    <a:masterClrMapping/>
+  </p:clrMapOvr>
+</p:sld>
+</file>
+
+<file path=ppt/slides/slide9.xml><?xml version="1.0" encoding="utf-8"?>
+<p:sld xmlns:a="http://schemas.openxmlformats.org/drawingml/2006/main" xmlns:r="http://schemas.openxmlformats.org/officeDocument/2006/relationships" xmlns:p="http://schemas.openxmlformats.org/presentationml/2006/main">
+  <p:cSld>
+    <p:spTree>
+      <p:nvGrpSpPr>
+        <p:cNvPr id="1" name=""/>
+        <p:cNvGrpSpPr/>
+        <p:nvPr/>
+      </p:nvGrpSpPr>
+      <p:grpSpPr>
+        <a:xfrm>
+          <a:off x="0" y="0"/>
+          <a:ext cx="0" cy="0"/>
+          <a:chOff x="0" y="0"/>
+          <a:chExt cx="0" cy="0"/>
+        </a:xfrm>
+      </p:grpSpPr>
+      <p:sp>
+        <p:nvSpPr>
+          <p:cNvPr id="2" name="Title 1"/>
+          <p:cNvSpPr>
+            <a:spLocks noGrp="1"/>
+          </p:cNvSpPr>
+          <p:nvPr>
+            <p:ph type="title"/>
+          </p:nvPr>
+        </p:nvSpPr>
+        <p:spPr/>
+        <p:txBody>
+          <a:bodyPr/>
+          <a:lstStyle/>
+          <a:p>
+            <a:r>
+              <a:rPr lang="en-US" dirty="0" smtClean="0"/>
+              <a:t>Provider Directory examples</a:t>
+            </a:r>
+            <a:br>
+              <a:rPr lang="en-US" dirty="0" smtClean="0"/>
+            </a:br>
+            <a:endParaRPr lang="en-US" dirty="0"/>
+          </a:p>
+        </p:txBody>
+      </p:sp>
+      <p:sp>
+        <p:nvSpPr>
+          <p:cNvPr id="3" name="TextBox 2"/>
+          <p:cNvSpPr txBox="1"/>
+          <p:nvPr/>
+        </p:nvSpPr>
+        <p:spPr>
+          <a:xfrm>
+            <a:off x="522890" y="1481959"/>
+            <a:ext cx="10481441" cy="2523768"/>
+          </a:xfrm>
+          <a:prstGeom prst="rect">
+            <a:avLst/>
+          </a:prstGeom>
+          <a:noFill/>
+        </p:spPr>
+        <p:txBody>
+          <a:bodyPr wrap="square" rtlCol="0">
+            <a:spAutoFit/>
+          </a:bodyPr>
+          <a:lstStyle/>
+          <a:p>
+            <a:endParaRPr lang="en-US" sz="2800" dirty="0" smtClean="0"/>
+          </a:p>
+          <a:p>
+            <a:r>
+              <a:rPr lang="en-US" sz="2800" dirty="0" smtClean="0"/>
+              <a:t>Search </a:t>
+            </a:r>
+            <a:r>
+              <a:rPr lang="en-US" sz="2800" dirty="0"/>
+              <a:t>for Organization and facility by:</a:t>
+            </a:r>
+          </a:p>
+          <a:p>
+            <a:pPr lvl="1"/>
+            <a:r>
+              <a:rPr lang="en-US" sz="2800" dirty="0" smtClean="0"/>
+              <a:t>Name: </a:t>
+            </a:r>
+            <a:r>
+              <a:rPr lang="en-US" dirty="0" smtClean="0">
+                <a:latin typeface="Courier" charset="0"/>
+                <a:ea typeface="Courier" charset="0"/>
+                <a:cs typeface="Courier" charset="0"/>
+              </a:rPr>
+              <a:t>Get [Base]/</a:t>
+            </a:r>
+            <a:r>
+              <a:rPr lang="en-US" dirty="0" err="1" smtClean="0">
+                <a:latin typeface="Courier" charset="0"/>
+                <a:ea typeface="Courier" charset="0"/>
+                <a:cs typeface="Courier" charset="0"/>
+              </a:rPr>
+              <a:t>Organization?name</a:t>
+            </a:r>
+            <a:r>
+              <a:rPr lang="en-US" dirty="0" smtClean="0">
+                <a:latin typeface="Courier" charset="0"/>
+                <a:ea typeface="Courier" charset="0"/>
+                <a:cs typeface="Courier" charset="0"/>
+              </a:rPr>
+              <a:t>=[name]</a:t>
+            </a:r>
+            <a:endParaRPr lang="en-US" sz="2800" dirty="0"/>
+          </a:p>
+          <a:p>
+            <a:pPr lvl="1"/>
+            <a:r>
+              <a:rPr lang="en-US" sz="2800" dirty="0" smtClean="0"/>
+              <a:t>Address: </a:t>
+            </a:r>
+            <a:r>
+              <a:rPr lang="en-US" dirty="0" smtClean="0">
+                <a:latin typeface="Courier" charset="0"/>
+                <a:ea typeface="Courier" charset="0"/>
+                <a:cs typeface="Courier" charset="0"/>
+              </a:rPr>
+              <a:t>Get [Base]/</a:t>
+            </a:r>
+            <a:r>
+              <a:rPr lang="en-US" dirty="0" err="1" smtClean="0">
+                <a:latin typeface="Courier" charset="0"/>
+                <a:ea typeface="Courier" charset="0"/>
+                <a:cs typeface="Courier" charset="0"/>
+              </a:rPr>
+              <a:t>Organization?address</a:t>
+            </a:r>
+            <a:r>
+              <a:rPr lang="en-US" dirty="0" smtClean="0">
+                <a:latin typeface="Courier" charset="0"/>
+                <a:ea typeface="Courier" charset="0"/>
+                <a:cs typeface="Courier" charset="0"/>
+              </a:rPr>
+              <a:t>=[text]</a:t>
+            </a:r>
+          </a:p>
+          <a:p>
+            <a:pPr lvl="1"/>
+            <a:endParaRPr lang="en-US" sz="2800" dirty="0"/>
+          </a:p>
+          <a:p>
+            <a:endParaRPr lang="en-US" dirty="0"/>
+          </a:p>
+        </p:txBody>
+      </p:sp>
+    </p:spTree>
+    <p:extLst>
+      <p:ext uri="{BB962C8B-B14F-4D97-AF65-F5344CB8AC3E}">
+        <p14:creationId xmlns:p14="http://schemas.microsoft.com/office/powerpoint/2010/main" val="1028134634"/>
       </p:ext>
     </p:extLst>
   </p:cSld>
